--- a/Auto-Reff files and documents(MSD 2022)/Stakeholders Meetings/Second meeting.pptx
+++ b/Auto-Reff files and documents(MSD 2022)/Stakeholders Meetings/Second meeting.pptx
@@ -202,7 +202,7 @@
           <a:p>
             <a:fld id="{05F25DE2-B715-4EA4-8CF0-DA425EA806A7}" type="datetimeFigureOut">
               <a:rPr lang="en-GB" smtClean="0"/>
-              <a:t>23/02/2023</a:t>
+              <a:t>22/03/2023</a:t>
             </a:fld>
             <a:endParaRPr lang="en-GB"/>
           </a:p>
@@ -5922,10 +5922,14 @@
           <a:p>
             <a:pPr algn="ctr"/>
             <a:r>
+              <a:rPr lang="en-US" dirty="0"/>
+              <a:t>Discussion about stakeholder’s needs and defining different </a:t>
+            </a:r>
+            <a:r>
               <a:rPr lang="en-US"/>
-              <a:t>Discussion about stakeholder’s needs and defining the scope of the project</a:t>
-            </a:r>
-            <a:endParaRPr lang="en-NL"/>
+              <a:t>data collection methods</a:t>
+            </a:r>
+            <a:endParaRPr lang="en-NL" dirty="0"/>
           </a:p>
         </p:txBody>
       </p:sp>
@@ -11613,15 +11617,6 @@
 </file>
 
 <file path=customXml/item1.xml><?xml version="1.0" encoding="utf-8"?>
-<?mso-contentType ?>
-<FormTemplates xmlns="http://schemas.microsoft.com/sharepoint/v3/contenttype/forms">
-  <Display>DocumentLibraryForm</Display>
-  <Edit>DocumentLibraryForm</Edit>
-  <New>DocumentLibraryForm</New>
-</FormTemplates>
-</file>
-
-<file path=customXml/item2.xml><?xml version="1.0" encoding="utf-8"?>
 <ct:contentTypeSchema xmlns:ct="http://schemas.microsoft.com/office/2006/metadata/contentType" xmlns:ma="http://schemas.microsoft.com/office/2006/metadata/properties/metaAttributes" ct:_="" ma:_="" ma:contentTypeName="Document" ma:contentTypeID="0x010100DF0A92BA5A06BE4A9B59021F16D48411" ma:contentTypeVersion="2" ma:contentTypeDescription="Create a new document." ma:contentTypeScope="" ma:versionID="89b115a075ebf809e383d4031dcf5bd3">
   <xsd:schema xmlns:xsd="http://www.w3.org/2001/XMLSchema" xmlns:xs="http://www.w3.org/2001/XMLSchema" xmlns:p="http://schemas.microsoft.com/office/2006/metadata/properties" xmlns:ns2="83fdc049-73a2-4611-862f-f4b0d38035ca" targetNamespace="http://schemas.microsoft.com/office/2006/metadata/properties" ma:root="true" ma:fieldsID="8f9cb61f3139417da7c1f3597f135c1e" ns2:_="">
     <xsd:import namespace="83fdc049-73a2-4611-862f-f4b0d38035ca"/>
@@ -11753,15 +11748,16 @@
 </ct:contentTypeSchema>
 </file>
 
-<file path=customXml/itemProps1.xml><?xml version="1.0" encoding="utf-8"?>
-<ds:datastoreItem xmlns:ds="http://schemas.openxmlformats.org/officeDocument/2006/customXml" ds:itemID="{2008EEA2-1153-4B2A-8F40-118D230AC21F}">
-  <ds:schemaRefs>
-    <ds:schemaRef ds:uri="http://schemas.microsoft.com/sharepoint/v3/contenttype/forms"/>
-  </ds:schemaRefs>
-</ds:datastoreItem>
+<file path=customXml/item2.xml><?xml version="1.0" encoding="utf-8"?>
+<?mso-contentType ?>
+<FormTemplates xmlns="http://schemas.microsoft.com/sharepoint/v3/contenttype/forms">
+  <Display>DocumentLibraryForm</Display>
+  <Edit>DocumentLibraryForm</Edit>
+  <New>DocumentLibraryForm</New>
+</FormTemplates>
 </file>
 
-<file path=customXml/itemProps2.xml><?xml version="1.0" encoding="utf-8"?>
+<file path=customXml/itemProps1.xml><?xml version="1.0" encoding="utf-8"?>
 <ds:datastoreItem xmlns:ds="http://schemas.openxmlformats.org/officeDocument/2006/customXml" ds:itemID="{0DE0ADA5-559F-4326-958A-D94F01B568FC}">
   <ds:schemaRefs>
     <ds:schemaRef ds:uri="83fdc049-73a2-4611-862f-f4b0d38035ca"/>
@@ -11777,4 +11773,12 @@
     <ds:schemaRef ds:uri="http://www.w3.org/2001/XMLSchema"/>
   </ds:schemaRefs>
 </ds:datastoreItem>
+</file>
+
+<file path=customXml/itemProps2.xml><?xml version="1.0" encoding="utf-8"?>
+<ds:datastoreItem xmlns:ds="http://schemas.openxmlformats.org/officeDocument/2006/customXml" ds:itemID="{2008EEA2-1153-4B2A-8F40-118D230AC21F}">
+  <ds:schemaRefs>
+    <ds:schemaRef ds:uri="http://schemas.microsoft.com/sharepoint/v3/contenttype/forms"/>
+  </ds:schemaRefs>
+</ds:datastoreItem>
 </file>